--- a/Images/default.pptx
+++ b/Images/default.pptx
@@ -6,6 +6,7 @@
   </p:sldMasterIdLst>
   <p:sldIdLst>
     <p:sldId id="256" r:id="rId2"/>
+    <p:sldId id="257" r:id="rId3"/>
   </p:sldIdLst>
   <p:sldSz cx="1625600" cy="1625600"/>
   <p:notesSz cx="6858000" cy="9144000"/>
@@ -243,7 +244,7 @@
           <a:p>
             <a:fld id="{1BE601B0-BD54-49B7-8884-732BEC149524}" type="datetimeFigureOut">
               <a:rPr kumimoji="1" lang="ja-JP" altLang="en-US" smtClean="0"/>
-              <a:t>2020/10/17</a:t>
+              <a:t>2020/11/13</a:t>
             </a:fld>
             <a:endParaRPr kumimoji="1" lang="ja-JP" altLang="en-US"/>
           </a:p>
@@ -445,7 +446,7 @@
           <a:p>
             <a:fld id="{1BE601B0-BD54-49B7-8884-732BEC149524}" type="datetimeFigureOut">
               <a:rPr kumimoji="1" lang="ja-JP" altLang="en-US" smtClean="0"/>
-              <a:t>2020/10/17</a:t>
+              <a:t>2020/11/13</a:t>
             </a:fld>
             <a:endParaRPr kumimoji="1" lang="ja-JP" altLang="en-US"/>
           </a:p>
@@ -657,7 +658,7 @@
           <a:p>
             <a:fld id="{1BE601B0-BD54-49B7-8884-732BEC149524}" type="datetimeFigureOut">
               <a:rPr kumimoji="1" lang="ja-JP" altLang="en-US" smtClean="0"/>
-              <a:t>2020/10/17</a:t>
+              <a:t>2020/11/13</a:t>
             </a:fld>
             <a:endParaRPr kumimoji="1" lang="ja-JP" altLang="en-US"/>
           </a:p>
@@ -859,7 +860,7 @@
           <a:p>
             <a:fld id="{1BE601B0-BD54-49B7-8884-732BEC149524}" type="datetimeFigureOut">
               <a:rPr kumimoji="1" lang="ja-JP" altLang="en-US" smtClean="0"/>
-              <a:t>2020/10/17</a:t>
+              <a:t>2020/11/13</a:t>
             </a:fld>
             <a:endParaRPr kumimoji="1" lang="ja-JP" altLang="en-US"/>
           </a:p>
@@ -1103,7 +1104,7 @@
           <a:p>
             <a:fld id="{1BE601B0-BD54-49B7-8884-732BEC149524}" type="datetimeFigureOut">
               <a:rPr kumimoji="1" lang="ja-JP" altLang="en-US" smtClean="0"/>
-              <a:t>2020/10/17</a:t>
+              <a:t>2020/11/13</a:t>
             </a:fld>
             <a:endParaRPr kumimoji="1" lang="ja-JP" altLang="en-US"/>
           </a:p>
@@ -1399,7 +1400,7 @@
           <a:p>
             <a:fld id="{1BE601B0-BD54-49B7-8884-732BEC149524}" type="datetimeFigureOut">
               <a:rPr kumimoji="1" lang="ja-JP" altLang="en-US" smtClean="0"/>
-              <a:t>2020/10/17</a:t>
+              <a:t>2020/11/13</a:t>
             </a:fld>
             <a:endParaRPr kumimoji="1" lang="ja-JP" altLang="en-US"/>
           </a:p>
@@ -1830,7 +1831,7 @@
           <a:p>
             <a:fld id="{1BE601B0-BD54-49B7-8884-732BEC149524}" type="datetimeFigureOut">
               <a:rPr kumimoji="1" lang="ja-JP" altLang="en-US" smtClean="0"/>
-              <a:t>2020/10/17</a:t>
+              <a:t>2020/11/13</a:t>
             </a:fld>
             <a:endParaRPr kumimoji="1" lang="ja-JP" altLang="en-US"/>
           </a:p>
@@ -1948,7 +1949,7 @@
           <a:p>
             <a:fld id="{1BE601B0-BD54-49B7-8884-732BEC149524}" type="datetimeFigureOut">
               <a:rPr kumimoji="1" lang="ja-JP" altLang="en-US" smtClean="0"/>
-              <a:t>2020/10/17</a:t>
+              <a:t>2020/11/13</a:t>
             </a:fld>
             <a:endParaRPr kumimoji="1" lang="ja-JP" altLang="en-US"/>
           </a:p>
@@ -2043,7 +2044,7 @@
           <a:p>
             <a:fld id="{1BE601B0-BD54-49B7-8884-732BEC149524}" type="datetimeFigureOut">
               <a:rPr kumimoji="1" lang="ja-JP" altLang="en-US" smtClean="0"/>
-              <a:t>2020/10/17</a:t>
+              <a:t>2020/11/13</a:t>
             </a:fld>
             <a:endParaRPr kumimoji="1" lang="ja-JP" altLang="en-US"/>
           </a:p>
@@ -2352,7 +2353,7 @@
           <a:p>
             <a:fld id="{1BE601B0-BD54-49B7-8884-732BEC149524}" type="datetimeFigureOut">
               <a:rPr kumimoji="1" lang="ja-JP" altLang="en-US" smtClean="0"/>
-              <a:t>2020/10/17</a:t>
+              <a:t>2020/11/13</a:t>
             </a:fld>
             <a:endParaRPr kumimoji="1" lang="ja-JP" altLang="en-US"/>
           </a:p>
@@ -2609,7 +2610,7 @@
           <a:p>
             <a:fld id="{1BE601B0-BD54-49B7-8884-732BEC149524}" type="datetimeFigureOut">
               <a:rPr kumimoji="1" lang="ja-JP" altLang="en-US" smtClean="0"/>
-              <a:t>2020/10/17</a:t>
+              <a:t>2020/11/13</a:t>
             </a:fld>
             <a:endParaRPr kumimoji="1" lang="ja-JP" altLang="en-US"/>
           </a:p>
@@ -2854,7 +2855,7 @@
           <a:p>
             <a:fld id="{1BE601B0-BD54-49B7-8884-732BEC149524}" type="datetimeFigureOut">
               <a:rPr kumimoji="1" lang="ja-JP" altLang="en-US" smtClean="0"/>
-              <a:t>2020/10/17</a:t>
+              <a:t>2020/11/13</a:t>
             </a:fld>
             <a:endParaRPr kumimoji="1" lang="ja-JP" altLang="en-US"/>
           </a:p>
@@ -3575,6 +3576,358 @@
 </p:sld>
 </file>
 
+<file path=ppt/slides/slide2.xml><?xml version="1.0" encoding="utf-8"?>
+<p:sld xmlns:a="http://schemas.openxmlformats.org/drawingml/2006/main" xmlns:r="http://schemas.openxmlformats.org/officeDocument/2006/relationships" xmlns:p="http://schemas.openxmlformats.org/presentationml/2006/main">
+  <p:cSld>
+    <p:spTree>
+      <p:nvGrpSpPr>
+        <p:cNvPr id="1" name=""/>
+        <p:cNvGrpSpPr/>
+        <p:nvPr/>
+      </p:nvGrpSpPr>
+      <p:grpSpPr>
+        <a:xfrm>
+          <a:off x="0" y="0"/>
+          <a:ext cx="0" cy="0"/>
+          <a:chOff x="0" y="0"/>
+          <a:chExt cx="0" cy="0"/>
+        </a:xfrm>
+      </p:grpSpPr>
+      <p:grpSp>
+        <p:nvGrpSpPr>
+          <p:cNvPr id="11" name="グループ化 10">
+            <a:extLst>
+              <a:ext uri="{FF2B5EF4-FFF2-40B4-BE49-F238E27FC236}">
+                <a16:creationId xmlns:a16="http://schemas.microsoft.com/office/drawing/2014/main" id="{D81068BA-83AA-46FE-9A83-5A15062E97A3}"/>
+              </a:ext>
+            </a:extLst>
+          </p:cNvPr>
+          <p:cNvGrpSpPr/>
+          <p:nvPr/>
+        </p:nvGrpSpPr>
+        <p:grpSpPr>
+          <a:xfrm>
+            <a:off x="70397" y="218506"/>
+            <a:ext cx="1484803" cy="1106974"/>
+            <a:chOff x="70397" y="218506"/>
+            <a:chExt cx="1484803" cy="1106974"/>
+          </a:xfrm>
+        </p:grpSpPr>
+        <p:sp>
+          <p:nvSpPr>
+            <p:cNvPr id="10" name="フリーフォーム: 図形 9">
+              <a:extLst>
+                <a:ext uri="{FF2B5EF4-FFF2-40B4-BE49-F238E27FC236}">
+                  <a16:creationId xmlns:a16="http://schemas.microsoft.com/office/drawing/2014/main" id="{634D4F03-0D58-421A-A9A3-AEE9303975FE}"/>
+                </a:ext>
+              </a:extLst>
+            </p:cNvPr>
+            <p:cNvSpPr/>
+            <p:nvPr/>
+          </p:nvSpPr>
+          <p:spPr>
+            <a:xfrm>
+              <a:off x="70397" y="218506"/>
+              <a:ext cx="1484803" cy="1106974"/>
+            </a:xfrm>
+            <a:custGeom>
+              <a:avLst/>
+              <a:gdLst>
+                <a:gd name="connsiteX0" fmla="*/ 162934 w 1484803"/>
+                <a:gd name="connsiteY0" fmla="*/ 0 h 1317584"/>
+                <a:gd name="connsiteX1" fmla="*/ 1321869 w 1484803"/>
+                <a:gd name="connsiteY1" fmla="*/ 0 h 1317584"/>
+                <a:gd name="connsiteX2" fmla="*/ 1484803 w 1484803"/>
+                <a:gd name="connsiteY2" fmla="*/ 162934 h 1317584"/>
+                <a:gd name="connsiteX3" fmla="*/ 1484803 w 1484803"/>
+                <a:gd name="connsiteY3" fmla="*/ 814649 h 1317584"/>
+                <a:gd name="connsiteX4" fmla="*/ 1321869 w 1484803"/>
+                <a:gd name="connsiteY4" fmla="*/ 977583 h 1317584"/>
+                <a:gd name="connsiteX5" fmla="*/ 939602 w 1484803"/>
+                <a:gd name="connsiteY5" fmla="*/ 977583 h 1317584"/>
+                <a:gd name="connsiteX6" fmla="*/ 742402 w 1484803"/>
+                <a:gd name="connsiteY6" fmla="*/ 1317584 h 1317584"/>
+                <a:gd name="connsiteX7" fmla="*/ 545202 w 1484803"/>
+                <a:gd name="connsiteY7" fmla="*/ 977583 h 1317584"/>
+                <a:gd name="connsiteX8" fmla="*/ 162934 w 1484803"/>
+                <a:gd name="connsiteY8" fmla="*/ 977583 h 1317584"/>
+                <a:gd name="connsiteX9" fmla="*/ 0 w 1484803"/>
+                <a:gd name="connsiteY9" fmla="*/ 814649 h 1317584"/>
+                <a:gd name="connsiteX10" fmla="*/ 0 w 1484803"/>
+                <a:gd name="connsiteY10" fmla="*/ 162934 h 1317584"/>
+                <a:gd name="connsiteX11" fmla="*/ 162934 w 1484803"/>
+                <a:gd name="connsiteY11" fmla="*/ 0 h 1317584"/>
+                <a:gd name="connsiteX0" fmla="*/ 162934 w 1484803"/>
+                <a:gd name="connsiteY0" fmla="*/ 0 h 1106974"/>
+                <a:gd name="connsiteX1" fmla="*/ 1321869 w 1484803"/>
+                <a:gd name="connsiteY1" fmla="*/ 0 h 1106974"/>
+                <a:gd name="connsiteX2" fmla="*/ 1484803 w 1484803"/>
+                <a:gd name="connsiteY2" fmla="*/ 162934 h 1106974"/>
+                <a:gd name="connsiteX3" fmla="*/ 1484803 w 1484803"/>
+                <a:gd name="connsiteY3" fmla="*/ 814649 h 1106974"/>
+                <a:gd name="connsiteX4" fmla="*/ 1321869 w 1484803"/>
+                <a:gd name="connsiteY4" fmla="*/ 977583 h 1106974"/>
+                <a:gd name="connsiteX5" fmla="*/ 939602 w 1484803"/>
+                <a:gd name="connsiteY5" fmla="*/ 977583 h 1106974"/>
+                <a:gd name="connsiteX6" fmla="*/ 744157 w 1484803"/>
+                <a:gd name="connsiteY6" fmla="*/ 1106974 h 1106974"/>
+                <a:gd name="connsiteX7" fmla="*/ 545202 w 1484803"/>
+                <a:gd name="connsiteY7" fmla="*/ 977583 h 1106974"/>
+                <a:gd name="connsiteX8" fmla="*/ 162934 w 1484803"/>
+                <a:gd name="connsiteY8" fmla="*/ 977583 h 1106974"/>
+                <a:gd name="connsiteX9" fmla="*/ 0 w 1484803"/>
+                <a:gd name="connsiteY9" fmla="*/ 814649 h 1106974"/>
+                <a:gd name="connsiteX10" fmla="*/ 0 w 1484803"/>
+                <a:gd name="connsiteY10" fmla="*/ 162934 h 1106974"/>
+                <a:gd name="connsiteX11" fmla="*/ 162934 w 1484803"/>
+                <a:gd name="connsiteY11" fmla="*/ 0 h 1106974"/>
+              </a:gdLst>
+              <a:ahLst/>
+              <a:cxnLst>
+                <a:cxn ang="0">
+                  <a:pos x="connsiteX0" y="connsiteY0"/>
+                </a:cxn>
+                <a:cxn ang="0">
+                  <a:pos x="connsiteX1" y="connsiteY1"/>
+                </a:cxn>
+                <a:cxn ang="0">
+                  <a:pos x="connsiteX2" y="connsiteY2"/>
+                </a:cxn>
+                <a:cxn ang="0">
+                  <a:pos x="connsiteX3" y="connsiteY3"/>
+                </a:cxn>
+                <a:cxn ang="0">
+                  <a:pos x="connsiteX4" y="connsiteY4"/>
+                </a:cxn>
+                <a:cxn ang="0">
+                  <a:pos x="connsiteX5" y="connsiteY5"/>
+                </a:cxn>
+                <a:cxn ang="0">
+                  <a:pos x="connsiteX6" y="connsiteY6"/>
+                </a:cxn>
+                <a:cxn ang="0">
+                  <a:pos x="connsiteX7" y="connsiteY7"/>
+                </a:cxn>
+                <a:cxn ang="0">
+                  <a:pos x="connsiteX8" y="connsiteY8"/>
+                </a:cxn>
+                <a:cxn ang="0">
+                  <a:pos x="connsiteX9" y="connsiteY9"/>
+                </a:cxn>
+                <a:cxn ang="0">
+                  <a:pos x="connsiteX10" y="connsiteY10"/>
+                </a:cxn>
+                <a:cxn ang="0">
+                  <a:pos x="connsiteX11" y="connsiteY11"/>
+                </a:cxn>
+              </a:cxnLst>
+              <a:rect l="l" t="t" r="r" b="b"/>
+              <a:pathLst>
+                <a:path w="1484803" h="1106974">
+                  <a:moveTo>
+                    <a:pt x="162934" y="0"/>
+                  </a:moveTo>
+                  <a:lnTo>
+                    <a:pt x="1321869" y="0"/>
+                  </a:lnTo>
+                  <a:cubicBezTo>
+                    <a:pt x="1411855" y="0"/>
+                    <a:pt x="1484803" y="72948"/>
+                    <a:pt x="1484803" y="162934"/>
+                  </a:cubicBezTo>
+                  <a:lnTo>
+                    <a:pt x="1484803" y="814649"/>
+                  </a:lnTo>
+                  <a:cubicBezTo>
+                    <a:pt x="1484803" y="904635"/>
+                    <a:pt x="1411855" y="977583"/>
+                    <a:pt x="1321869" y="977583"/>
+                  </a:cubicBezTo>
+                  <a:lnTo>
+                    <a:pt x="939602" y="977583"/>
+                  </a:lnTo>
+                  <a:lnTo>
+                    <a:pt x="744157" y="1106974"/>
+                  </a:lnTo>
+                  <a:lnTo>
+                    <a:pt x="545202" y="977583"/>
+                  </a:lnTo>
+                  <a:lnTo>
+                    <a:pt x="162934" y="977583"/>
+                  </a:lnTo>
+                  <a:cubicBezTo>
+                    <a:pt x="72948" y="977583"/>
+                    <a:pt x="0" y="904635"/>
+                    <a:pt x="0" y="814649"/>
+                  </a:cubicBezTo>
+                  <a:lnTo>
+                    <a:pt x="0" y="162934"/>
+                  </a:lnTo>
+                  <a:cubicBezTo>
+                    <a:pt x="0" y="72948"/>
+                    <a:pt x="72948" y="0"/>
+                    <a:pt x="162934" y="0"/>
+                  </a:cubicBezTo>
+                  <a:close/>
+                </a:path>
+              </a:pathLst>
+            </a:custGeom>
+            <a:ln/>
+          </p:spPr>
+          <p:style>
+            <a:lnRef idx="0">
+              <a:schemeClr val="accent3"/>
+            </a:lnRef>
+            <a:fillRef idx="3">
+              <a:schemeClr val="accent3"/>
+            </a:fillRef>
+            <a:effectRef idx="3">
+              <a:schemeClr val="accent3"/>
+            </a:effectRef>
+            <a:fontRef idx="minor">
+              <a:schemeClr val="lt1"/>
+            </a:fontRef>
+          </p:style>
+          <p:txBody>
+            <a:bodyPr wrap="square" rtlCol="0" anchor="ctr">
+              <a:noAutofit/>
+            </a:bodyPr>
+            <a:lstStyle/>
+            <a:p>
+              <a:pPr algn="ctr"/>
+              <a:endParaRPr kumimoji="1" lang="ja-JP" altLang="en-US" dirty="0"/>
+            </a:p>
+          </p:txBody>
+        </p:sp>
+        <p:sp>
+          <p:nvSpPr>
+            <p:cNvPr id="9" name="テキスト ボックス 8">
+              <a:extLst>
+                <a:ext uri="{FF2B5EF4-FFF2-40B4-BE49-F238E27FC236}">
+                  <a16:creationId xmlns:a16="http://schemas.microsoft.com/office/drawing/2014/main" id="{FBA9CE1C-BAD2-450D-B225-0E2716648C9A}"/>
+                </a:ext>
+              </a:extLst>
+            </p:cNvPr>
+            <p:cNvSpPr txBox="1"/>
+            <p:nvPr/>
+          </p:nvSpPr>
+          <p:spPr>
+            <a:xfrm>
+              <a:off x="197326" y="218506"/>
+              <a:ext cx="1230948" cy="953359"/>
+            </a:xfrm>
+            <a:prstGeom prst="rect">
+              <a:avLst/>
+            </a:prstGeom>
+            <a:noFill/>
+          </p:spPr>
+          <p:txBody>
+            <a:bodyPr wrap="square" rtlCol="0">
+              <a:spAutoFit/>
+            </a:bodyPr>
+            <a:lstStyle/>
+            <a:p>
+              <a:pPr algn="ctr"/>
+              <a:r>
+                <a:rPr kumimoji="1" lang="ja-JP" altLang="en-US" dirty="0">
+                  <a:solidFill>
+                    <a:schemeClr val="bg1"/>
+                  </a:solidFill>
+                  <a:effectLst>
+                    <a:outerShdw blurRad="38100" dist="38100" dir="2700000" algn="tl">
+                      <a:srgbClr val="000000">
+                        <a:alpha val="43137"/>
+                      </a:srgbClr>
+                    </a:outerShdw>
+                  </a:effectLst>
+                  <a:latin typeface="BIZ UDPゴシック" panose="020B0400000000000000" pitchFamily="50" charset="-128"/>
+                  <a:ea typeface="BIZ UDPゴシック" panose="020B0400000000000000" pitchFamily="50" charset="-128"/>
+                </a:rPr>
+                <a:t>ここに</a:t>
+              </a:r>
+              <a:br>
+                <a:rPr kumimoji="1" lang="en-US" altLang="ja-JP" dirty="0">
+                  <a:solidFill>
+                    <a:schemeClr val="bg1"/>
+                  </a:solidFill>
+                  <a:effectLst>
+                    <a:outerShdw blurRad="38100" dist="38100" dir="2700000" algn="tl">
+                      <a:srgbClr val="000000">
+                        <a:alpha val="43137"/>
+                      </a:srgbClr>
+                    </a:outerShdw>
+                  </a:effectLst>
+                  <a:latin typeface="BIZ UDPゴシック" panose="020B0400000000000000" pitchFamily="50" charset="-128"/>
+                  <a:ea typeface="BIZ UDPゴシック" panose="020B0400000000000000" pitchFamily="50" charset="-128"/>
+                </a:rPr>
+              </a:br>
+              <a:r>
+                <a:rPr kumimoji="1" lang="ja-JP" altLang="en-US" dirty="0">
+                  <a:solidFill>
+                    <a:schemeClr val="bg1"/>
+                  </a:solidFill>
+                  <a:effectLst>
+                    <a:outerShdw blurRad="38100" dist="38100" dir="2700000" algn="tl">
+                      <a:srgbClr val="000000">
+                        <a:alpha val="43137"/>
+                      </a:srgbClr>
+                    </a:outerShdw>
+                  </a:effectLst>
+                  <a:latin typeface="BIZ UDPゴシック" panose="020B0400000000000000" pitchFamily="50" charset="-128"/>
+                  <a:ea typeface="BIZ UDPゴシック" panose="020B0400000000000000" pitchFamily="50" charset="-128"/>
+                </a:rPr>
+                <a:t>画像を</a:t>
+              </a:r>
+              <a:br>
+                <a:rPr kumimoji="1" lang="en-US" altLang="ja-JP" dirty="0">
+                  <a:solidFill>
+                    <a:schemeClr val="bg1"/>
+                  </a:solidFill>
+                  <a:effectLst>
+                    <a:outerShdw blurRad="38100" dist="38100" dir="2700000" algn="tl">
+                      <a:srgbClr val="000000">
+                        <a:alpha val="43137"/>
+                      </a:srgbClr>
+                    </a:outerShdw>
+                  </a:effectLst>
+                  <a:latin typeface="BIZ UDPゴシック" panose="020B0400000000000000" pitchFamily="50" charset="-128"/>
+                  <a:ea typeface="BIZ UDPゴシック" panose="020B0400000000000000" pitchFamily="50" charset="-128"/>
+                </a:rPr>
+              </a:br>
+              <a:r>
+                <a:rPr kumimoji="1" lang="ja-JP" altLang="en-US" dirty="0">
+                  <a:solidFill>
+                    <a:schemeClr val="bg1"/>
+                  </a:solidFill>
+                  <a:effectLst>
+                    <a:outerShdw blurRad="38100" dist="38100" dir="2700000" algn="tl">
+                      <a:srgbClr val="000000">
+                        <a:alpha val="43137"/>
+                      </a:srgbClr>
+                    </a:outerShdw>
+                  </a:effectLst>
+                  <a:latin typeface="BIZ UDPゴシック" panose="020B0400000000000000" pitchFamily="50" charset="-128"/>
+                  <a:ea typeface="BIZ UDPゴシック" panose="020B0400000000000000" pitchFamily="50" charset="-128"/>
+                </a:rPr>
+                <a:t>ドロップ</a:t>
+              </a:r>
+            </a:p>
+          </p:txBody>
+        </p:sp>
+      </p:grpSp>
+    </p:spTree>
+    <p:extLst>
+      <p:ext uri="{BB962C8B-B14F-4D97-AF65-F5344CB8AC3E}">
+        <p14:creationId xmlns:p14="http://schemas.microsoft.com/office/powerpoint/2010/main" val="835352086"/>
+      </p:ext>
+    </p:extLst>
+  </p:cSld>
+  <p:clrMapOvr>
+    <a:masterClrMapping/>
+  </p:clrMapOvr>
+</p:sld>
+</file>
+
 <file path=ppt/theme/theme1.xml><?xml version="1.0" encoding="utf-8"?>
 <a:theme xmlns:a="http://schemas.openxmlformats.org/drawingml/2006/main" name="Office テーマ">
   <a:themeElements>
